--- a/Lecture_3.pptx
+++ b/Lecture_3.pptx
@@ -114,7 +114,7 @@
   </p:defaultTextStyle>
   <p:extLst>
     <p:ext uri="{EFAFB233-063F-42B5-8137-9DF3F51BA10A}">
-      <p15:sldGuideLst xmlns:p15="http://schemas.microsoft.com/office/powerpoint/2012/main" xmlns="">
+      <p15:sldGuideLst xmlns="" xmlns:p15="http://schemas.microsoft.com/office/powerpoint/2012/main">
         <p15:guide id="1" orient="horz" pos="2160">
           <p15:clr>
             <a:srgbClr val="A4A3A4"/>
@@ -213,7 +213,7 @@
           <a:p>
             <a:fld id="{C4C6B73B-45EA-47FD-A56C-CA3C9E6BCAA5}" type="datetimeFigureOut">
               <a:rPr lang="en-US" smtClean="0"/>
-              <a:t>9/25/2014</a:t>
+              <a:t>9/26/2014</a:t>
             </a:fld>
             <a:endParaRPr lang="en-US"/>
           </a:p>
@@ -766,7 +766,7 @@
           <a:p>
             <a:fld id="{FB4D832D-09DF-4D16-B21B-C4F14FB0DF50}" type="datetimeFigureOut">
               <a:rPr lang="en-US" smtClean="0"/>
-              <a:t>9/25/2014</a:t>
+              <a:t>9/26/2014</a:t>
             </a:fld>
             <a:endParaRPr lang="en-US"/>
           </a:p>
@@ -984,7 +984,7 @@
           <a:p>
             <a:fld id="{FB4D832D-09DF-4D16-B21B-C4F14FB0DF50}" type="datetimeFigureOut">
               <a:rPr lang="en-US" smtClean="0"/>
-              <a:t>9/25/2014</a:t>
+              <a:t>9/26/2014</a:t>
             </a:fld>
             <a:endParaRPr lang="en-US"/>
           </a:p>
@@ -1171,7 +1171,7 @@
           <a:p>
             <a:fld id="{FB4D832D-09DF-4D16-B21B-C4F14FB0DF50}" type="datetimeFigureOut">
               <a:rPr lang="en-US" smtClean="0"/>
-              <a:t>9/25/2014</a:t>
+              <a:t>9/26/2014</a:t>
             </a:fld>
             <a:endParaRPr lang="en-US"/>
           </a:p>
@@ -1358,7 +1358,7 @@
           <a:p>
             <a:fld id="{FB4D832D-09DF-4D16-B21B-C4F14FB0DF50}" type="datetimeFigureOut">
               <a:rPr lang="en-US" smtClean="0"/>
-              <a:t>9/25/2014</a:t>
+              <a:t>9/26/2014</a:t>
             </a:fld>
             <a:endParaRPr lang="en-US"/>
           </a:p>
@@ -1652,7 +1652,7 @@
           <a:p>
             <a:fld id="{FB4D832D-09DF-4D16-B21B-C4F14FB0DF50}" type="datetimeFigureOut">
               <a:rPr lang="en-US" smtClean="0"/>
-              <a:t>9/25/2014</a:t>
+              <a:t>9/26/2014</a:t>
             </a:fld>
             <a:endParaRPr lang="en-US"/>
           </a:p>
@@ -1947,7 +1947,7 @@
           <a:p>
             <a:fld id="{FB4D832D-09DF-4D16-B21B-C4F14FB0DF50}" type="datetimeFigureOut">
               <a:rPr lang="en-US" smtClean="0"/>
-              <a:t>9/25/2014</a:t>
+              <a:t>9/26/2014</a:t>
             </a:fld>
             <a:endParaRPr lang="en-US"/>
           </a:p>
@@ -2376,7 +2376,7 @@
           <a:p>
             <a:fld id="{FB4D832D-09DF-4D16-B21B-C4F14FB0DF50}" type="datetimeFigureOut">
               <a:rPr lang="en-US" smtClean="0"/>
-              <a:t>9/25/2014</a:t>
+              <a:t>9/26/2014</a:t>
             </a:fld>
             <a:endParaRPr lang="en-US"/>
           </a:p>
@@ -2494,7 +2494,7 @@
           <a:p>
             <a:fld id="{FB4D832D-09DF-4D16-B21B-C4F14FB0DF50}" type="datetimeFigureOut">
               <a:rPr lang="en-US" smtClean="0"/>
-              <a:t>9/25/2014</a:t>
+              <a:t>9/26/2014</a:t>
             </a:fld>
             <a:endParaRPr lang="en-US"/>
           </a:p>
@@ -2596,7 +2596,7 @@
           <a:p>
             <a:fld id="{FB4D832D-09DF-4D16-B21B-C4F14FB0DF50}" type="datetimeFigureOut">
               <a:rPr lang="en-US" smtClean="0"/>
-              <a:t>9/25/2014</a:t>
+              <a:t>9/26/2014</a:t>
             </a:fld>
             <a:endParaRPr lang="en-US"/>
           </a:p>
@@ -2873,7 +2873,7 @@
           <a:p>
             <a:fld id="{FB4D832D-09DF-4D16-B21B-C4F14FB0DF50}" type="datetimeFigureOut">
               <a:rPr lang="en-US" smtClean="0"/>
-              <a:t>9/25/2014</a:t>
+              <a:t>9/26/2014</a:t>
             </a:fld>
             <a:endParaRPr lang="en-US"/>
           </a:p>
@@ -3137,7 +3137,7 @@
           <a:p>
             <a:fld id="{FB4D832D-09DF-4D16-B21B-C4F14FB0DF50}" type="datetimeFigureOut">
               <a:rPr lang="en-US" smtClean="0"/>
-              <a:t>9/25/2014</a:t>
+              <a:t>9/26/2014</a:t>
             </a:fld>
             <a:endParaRPr lang="en-US"/>
           </a:p>
@@ -3357,7 +3357,7 @@
           <a:p>
             <a:fld id="{FB4D832D-09DF-4D16-B21B-C4F14FB0DF50}" type="datetimeFigureOut">
               <a:rPr lang="en-US" smtClean="0"/>
-              <a:t>9/25/2014</a:t>
+              <a:t>9/26/2014</a:t>
             </a:fld>
             <a:endParaRPr lang="en-US"/>
           </a:p>
@@ -3770,15 +3770,7 @@
             </a:br>
             <a:r>
               <a:rPr lang="en-US" dirty="0" smtClean="0"/>
-              <a:t>Lecture </a:t>
-            </a:r>
-            <a:r>
-              <a:rPr lang="en-US" dirty="0" smtClean="0"/>
-              <a:t>3</a:t>
-            </a:r>
-            <a:r>
-              <a:rPr lang="en-US" dirty="0" smtClean="0"/>
-              <a:t/>
+              <a:t>Lecture 3</a:t>
             </a:r>
             <a:br>
               <a:rPr lang="en-US" dirty="0" smtClean="0"/>
@@ -3792,11 +3784,7 @@
             </a:br>
             <a:r>
               <a:rPr lang="en-US" sz="2200" dirty="0" smtClean="0"/>
-              <a:t>September </a:t>
-            </a:r>
-            <a:r>
-              <a:rPr lang="en-US" sz="2200" dirty="0" smtClean="0"/>
-              <a:t>25, </a:t>
+              <a:t>September 25, </a:t>
             </a:r>
             <a:r>
               <a:rPr lang="en-US" sz="2200" dirty="0"/>
@@ -3829,42 +3817,23 @@
           <a:p>
             <a:pPr algn="l"/>
             <a:r>
-              <a:rPr lang="en-US" dirty="0" err="1" smtClean="0"/>
-              <a:t>git</a:t>
-            </a:r>
-            <a:r>
-              <a:rPr lang="en-US" dirty="0" smtClean="0"/>
-              <a:t> and </a:t>
-            </a:r>
-            <a:r>
-              <a:rPr lang="en-US" dirty="0" err="1" smtClean="0"/>
-              <a:t>ssh</a:t>
-            </a:r>
-            <a:r>
-              <a:rPr lang="en-US" dirty="0" smtClean="0"/>
-              <a:t> again </a:t>
+              <a:rPr lang="en-US" dirty="0" smtClean="0"/>
+              <a:t>Benefits of R &amp; data.table</a:t>
             </a:r>
           </a:p>
           <a:p>
             <a:pPr algn="l"/>
             <a:r>
               <a:rPr lang="en-US" dirty="0" smtClean="0"/>
-              <a:t>Option pricing example</a:t>
-            </a:r>
+              <a:t>Analysis and data manipulation</a:t>
+            </a:r>
+            <a:endParaRPr lang="en-US" dirty="0" smtClean="0"/>
           </a:p>
           <a:p>
             <a:pPr algn="l"/>
             <a:r>
               <a:rPr lang="en-US" dirty="0" smtClean="0"/>
-              <a:t>Rat data </a:t>
-            </a:r>
-            <a:r>
-              <a:rPr lang="en-US" dirty="0" err="1" smtClean="0"/>
-              <a:t>ggplot</a:t>
-            </a:r>
-            <a:r>
-              <a:rPr lang="en-US" dirty="0" smtClean="0"/>
-              <a:t> and plots</a:t>
+              <a:t>Remote connections </a:t>
             </a:r>
             <a:endParaRPr lang="en-US" dirty="0" smtClean="0"/>
           </a:p>
@@ -3872,12 +3841,11 @@
             <a:pPr algn="l"/>
             <a:r>
               <a:rPr lang="en-US" dirty="0" smtClean="0"/>
-              <a:t>Report writing with </a:t>
-            </a:r>
-            <a:r>
-              <a:rPr lang="en-US" dirty="0" err="1" smtClean="0"/>
-              <a:t>knitr</a:t>
-            </a:r>
+              <a:t>Using amazon AWS</a:t>
+            </a:r>
+          </a:p>
+          <a:p>
+            <a:pPr algn="l"/>
             <a:endParaRPr lang="en-US" dirty="0" smtClean="0"/>
           </a:p>
           <a:p>
@@ -3894,15 +3862,6 @@
               <a:rPr lang="en-US" dirty="0"/>
               <a:t> </a:t>
             </a:r>
-            <a:endParaRPr lang="en-US" dirty="0" smtClean="0"/>
-          </a:p>
-          <a:p>
-            <a:pPr algn="l"/>
-            <a:r>
-              <a:rPr lang="en-US" dirty="0"/>
-              <a:t> </a:t>
-            </a:r>
-            <a:endParaRPr lang="en-US" dirty="0"/>
           </a:p>
         </p:txBody>
       </p:sp>
@@ -4066,7 +4025,6 @@
               <a:rPr lang="en-US" dirty="0" smtClean="0"/>
               <a:t>Reproducibility</a:t>
             </a:r>
-            <a:endParaRPr lang="en-US" dirty="0" smtClean="0"/>
           </a:p>
         </p:txBody>
       </p:sp>
@@ -4508,19 +4466,29 @@
         </p:nvSpPr>
         <p:spPr>
           <a:xfrm>
-            <a:off x="1905000" y="1600201"/>
-            <a:ext cx="6781800" cy="990600"/>
+            <a:off x="1676400" y="1767840"/>
+            <a:ext cx="7010400" cy="990600"/>
           </a:xfrm>
         </p:spPr>
         <p:txBody>
           <a:bodyPr>
-            <a:normAutofit fontScale="77500" lnSpcReduction="20000"/>
+            <a:normAutofit fontScale="70000" lnSpcReduction="20000"/>
           </a:bodyPr>
           <a:lstStyle/>
           <a:p>
             <a:r>
               <a:rPr lang="en-US" dirty="0" smtClean="0"/>
-              <a:t>The Raspberry Pi is another great reason to be able to handle / use remote connections</a:t>
+              <a:t>The Raspberry Pi is another great reason to be able to handle / use remote </a:t>
+            </a:r>
+            <a:r>
+              <a:rPr lang="en-US" dirty="0" smtClean="0"/>
+              <a:t>connections</a:t>
+            </a:r>
+          </a:p>
+          <a:p>
+            <a:r>
+              <a:rPr lang="en-US" dirty="0" smtClean="0"/>
+              <a:t>It’s also a great way to learn basic Linux server admin</a:t>
             </a:r>
             <a:endParaRPr lang="en-US" dirty="0"/>
           </a:p>
@@ -4621,8 +4589,8 @@
           </a:xfrm>
           <a:prstGeom prst="wedgeRectCallout">
             <a:avLst>
-              <a:gd name="adj1" fmla="val -46700"/>
-              <a:gd name="adj2" fmla="val 140833"/>
+              <a:gd name="adj1" fmla="val -30033"/>
+              <a:gd name="adj2" fmla="val 150833"/>
             </a:avLst>
           </a:prstGeom>
         </p:spPr>
@@ -4666,8 +4634,8 @@
           </a:xfrm>
           <a:prstGeom prst="wedgeRectCallout">
             <a:avLst>
-              <a:gd name="adj1" fmla="val 73300"/>
-              <a:gd name="adj2" fmla="val 500833"/>
+              <a:gd name="adj1" fmla="val 66633"/>
+              <a:gd name="adj2" fmla="val 544166"/>
             </a:avLst>
           </a:prstGeom>
         </p:spPr>
